--- a/Week_03/ethics presentation/How do we know what we don’t know.pptx
+++ b/Week_03/ethics presentation/How do we know what we don’t know.pptx
@@ -14306,6 +14306,13 @@
   <p:clrMapOvr>
     <a:masterClrMapping/>
   </p:clrMapOvr>
+  <p:timing>
+    <p:tnLst>
+      <p:par>
+        <p:cTn id="1" dur="indefinite" restart="never" nodeType="tmRoot"/>
+      </p:par>
+    </p:tnLst>
+  </p:timing>
 </p:sld>
 </file>
 
@@ -14442,6 +14449,13 @@
   <p:clrMapOvr>
     <a:masterClrMapping/>
   </p:clrMapOvr>
+  <p:timing>
+    <p:tnLst>
+      <p:par>
+        <p:cTn id="1" dur="indefinite" restart="never" nodeType="tmRoot"/>
+      </p:par>
+    </p:tnLst>
+  </p:timing>
 </p:sld>
 </file>
 
@@ -14488,8 +14502,12 @@
               <a:t>Only </a:t>
             </a:r>
             <a:r>
+              <a:rPr lang="en-GB" dirty="0" smtClean="0"/>
+              <a:t>if other </a:t>
+            </a:r>
+            <a:r>
               <a:rPr lang="en-GB" dirty="0"/>
-              <a:t>if the data already exists and is accessible</a:t>
+              <a:t>data already exists and is accessible</a:t>
             </a:r>
             <a:r>
               <a:rPr lang="en-GB" dirty="0" smtClean="0"/>
@@ -14499,7 +14517,15 @@
           <a:p>
             <a:r>
               <a:rPr lang="en-GB" dirty="0" smtClean="0"/>
-              <a:t>Only if we know the data exists and may be pertinent.</a:t>
+              <a:t>Only if we know </a:t>
+            </a:r>
+            <a:r>
+              <a:rPr lang="en-GB" dirty="0" smtClean="0"/>
+              <a:t>other </a:t>
+            </a:r>
+            <a:r>
+              <a:rPr lang="en-GB" dirty="0" smtClean="0"/>
+              <a:t>data exists and may be pertinent.</a:t>
             </a:r>
           </a:p>
           <a:p>
@@ -14574,6 +14600,13 @@
   <p:clrMapOvr>
     <a:masterClrMapping/>
   </p:clrMapOvr>
+  <p:timing>
+    <p:tnLst>
+      <p:par>
+        <p:cTn id="1" dur="indefinite" restart="never" nodeType="tmRoot"/>
+      </p:par>
+    </p:tnLst>
+  </p:timing>
 </p:sld>
 </file>
 
@@ -14640,8 +14673,28 @@
           </a:p>
           <a:p>
             <a:r>
+              <a:rPr lang="en-GB" smtClean="0"/>
+              <a:t>Can </a:t>
+            </a:r>
+            <a:r>
+              <a:rPr lang="en-GB" smtClean="0"/>
+              <a:t>we</a:t>
+            </a:r>
+            <a:r>
               <a:rPr lang="en-GB" dirty="0" smtClean="0"/>
-              <a:t>Have we, for instance, minimised cultural bias by moving toward cultural relativism?</a:t>
+              <a:t>, for instance</a:t>
+            </a:r>
+            <a:r>
+              <a:rPr lang="en-GB" smtClean="0"/>
+              <a:t>, </a:t>
+            </a:r>
+            <a:r>
+              <a:rPr lang="en-GB" smtClean="0"/>
+              <a:t>minimise </a:t>
+            </a:r>
+            <a:r>
+              <a:rPr lang="en-GB" dirty="0" smtClean="0"/>
+              <a:t>cultural bias by moving toward cultural relativism?</a:t>
             </a:r>
           </a:p>
           <a:p>
@@ -14714,6 +14767,13 @@
   <p:clrMapOvr>
     <a:masterClrMapping/>
   </p:clrMapOvr>
+  <p:timing>
+    <p:tnLst>
+      <p:par>
+        <p:cTn id="1" dur="indefinite" restart="never" nodeType="tmRoot"/>
+      </p:par>
+    </p:tnLst>
+  </p:timing>
 </p:sld>
 </file>
 
